--- a/logPapers.pptx
+++ b/logPapers.pptx
@@ -5,7 +5,7 @@
     <p:sldMasterId id="2147483648" r:id="rId1"/>
   </p:sldMasterIdLst>
   <p:notesMasterIdLst>
-    <p:notesMasterId r:id="rId18"/>
+    <p:notesMasterId r:id="rId15"/>
   </p:notesMasterIdLst>
   <p:sldIdLst>
     <p:sldId id="256" r:id="rId2"/>
@@ -19,11 +19,8 @@
     <p:sldId id="303" r:id="rId10"/>
     <p:sldId id="299" r:id="rId11"/>
     <p:sldId id="302" r:id="rId12"/>
-    <p:sldId id="305" r:id="rId13"/>
-    <p:sldId id="306" r:id="rId14"/>
-    <p:sldId id="307" r:id="rId15"/>
-    <p:sldId id="300" r:id="rId16"/>
-    <p:sldId id="289" r:id="rId17"/>
+    <p:sldId id="300" r:id="rId13"/>
+    <p:sldId id="289" r:id="rId14"/>
   </p:sldIdLst>
   <p:sldSz cx="10160000" cy="5715000"/>
   <p:notesSz cx="10160000" cy="5715000"/>
@@ -223,7 +220,7 @@
           <a:p>
             <a:fld id="{F50DE024-DCD2-474F-8937-9535428D8EEE}" type="datetimeFigureOut">
               <a:rPr lang="zh-CN" altLang="en-US" smtClean="0"/>
-              <a:t>2019/7/30</a:t>
+              <a:t>2019/7/31</a:t>
             </a:fld>
             <a:endParaRPr lang="zh-CN" altLang="en-US"/>
           </a:p>
@@ -1507,177 +1504,6 @@
             <a:endParaRPr lang="en-US" altLang="zh-CN" dirty="0" smtClean="0"/>
           </a:p>
           <a:p>
-            <a:endParaRPr lang="en-US" altLang="zh-CN" dirty="0" smtClean="0"/>
-          </a:p>
-        </p:txBody>
-      </p:sp>
-      <p:sp>
-        <p:nvSpPr>
-          <p:cNvPr id="4" name="灯片编号占位符 3"/>
-          <p:cNvSpPr>
-            <a:spLocks noGrp="1"/>
-          </p:cNvSpPr>
-          <p:nvPr>
-            <p:ph type="sldNum" sz="quarter" idx="10"/>
-          </p:nvPr>
-        </p:nvSpPr>
-        <p:spPr/>
-        <p:txBody>
-          <a:bodyPr/>
-          <a:lstStyle/>
-          <a:p>
-            <a:fld id="{B86CACD9-0F23-454D-AF32-DEFC965CED1F}" type="slidenum">
-              <a:rPr lang="zh-CN" altLang="en-US" smtClean="0"/>
-              <a:t>12</a:t>
-            </a:fld>
-            <a:endParaRPr lang="zh-CN" altLang="en-US"/>
-          </a:p>
-        </p:txBody>
-      </p:sp>
-    </p:spTree>
-    <p:extLst>
-      <p:ext uri="{BB962C8B-B14F-4D97-AF65-F5344CB8AC3E}">
-        <p14:creationId xmlns:p14="http://schemas.microsoft.com/office/powerpoint/2010/main" val="3128593169"/>
-      </p:ext>
-    </p:extLst>
-  </p:cSld>
-  <p:clrMapOvr>
-    <a:masterClrMapping/>
-  </p:clrMapOvr>
-</p:notes>
-</file>
-
-<file path=ppt/notesSlides/notesSlide13.xml><?xml version="1.0" encoding="utf-8"?>
-<p:notes xmlns:a="http://schemas.openxmlformats.org/drawingml/2006/main" xmlns:r="http://schemas.openxmlformats.org/officeDocument/2006/relationships" xmlns:p="http://schemas.openxmlformats.org/presentationml/2006/main">
-  <p:cSld>
-    <p:spTree>
-      <p:nvGrpSpPr>
-        <p:cNvPr id="1" name=""/>
-        <p:cNvGrpSpPr/>
-        <p:nvPr/>
-      </p:nvGrpSpPr>
-      <p:grpSpPr>
-        <a:xfrm>
-          <a:off x="0" y="0"/>
-          <a:ext cx="0" cy="0"/>
-          <a:chOff x="0" y="0"/>
-          <a:chExt cx="0" cy="0"/>
-        </a:xfrm>
-      </p:grpSpPr>
-      <p:sp>
-        <p:nvSpPr>
-          <p:cNvPr id="2" name="幻灯片图像占位符 1"/>
-          <p:cNvSpPr>
-            <a:spLocks noGrp="1" noRot="1" noChangeAspect="1"/>
-          </p:cNvSpPr>
-          <p:nvPr>
-            <p:ph type="sldImg"/>
-          </p:nvPr>
-        </p:nvSpPr>
-        <p:spPr/>
-      </p:sp>
-      <p:sp>
-        <p:nvSpPr>
-          <p:cNvPr id="3" name="备注占位符 2"/>
-          <p:cNvSpPr>
-            <a:spLocks noGrp="1"/>
-          </p:cNvSpPr>
-          <p:nvPr>
-            <p:ph type="body" idx="1"/>
-          </p:nvPr>
-        </p:nvSpPr>
-        <p:spPr/>
-        <p:txBody>
-          <a:bodyPr/>
-          <a:lstStyle/>
-          <a:p>
-            <a:endParaRPr lang="zh-CN" altLang="en-US"/>
-          </a:p>
-        </p:txBody>
-      </p:sp>
-      <p:sp>
-        <p:nvSpPr>
-          <p:cNvPr id="4" name="灯片编号占位符 3"/>
-          <p:cNvSpPr>
-            <a:spLocks noGrp="1"/>
-          </p:cNvSpPr>
-          <p:nvPr>
-            <p:ph type="sldNum" sz="quarter" idx="10"/>
-          </p:nvPr>
-        </p:nvSpPr>
-        <p:spPr/>
-        <p:txBody>
-          <a:bodyPr/>
-          <a:lstStyle/>
-          <a:p>
-            <a:fld id="{B86CACD9-0F23-454D-AF32-DEFC965CED1F}" type="slidenum">
-              <a:rPr lang="zh-CN" altLang="en-US" smtClean="0"/>
-              <a:t>14</a:t>
-            </a:fld>
-            <a:endParaRPr lang="zh-CN" altLang="en-US"/>
-          </a:p>
-        </p:txBody>
-      </p:sp>
-    </p:spTree>
-    <p:extLst>
-      <p:ext uri="{BB962C8B-B14F-4D97-AF65-F5344CB8AC3E}">
-        <p14:creationId xmlns:p14="http://schemas.microsoft.com/office/powerpoint/2010/main" val="3275427143"/>
-      </p:ext>
-    </p:extLst>
-  </p:cSld>
-  <p:clrMapOvr>
-    <a:masterClrMapping/>
-  </p:clrMapOvr>
-</p:notes>
-</file>
-
-<file path=ppt/notesSlides/notesSlide14.xml><?xml version="1.0" encoding="utf-8"?>
-<p:notes xmlns:a="http://schemas.openxmlformats.org/drawingml/2006/main" xmlns:r="http://schemas.openxmlformats.org/officeDocument/2006/relationships" xmlns:p="http://schemas.openxmlformats.org/presentationml/2006/main">
-  <p:cSld>
-    <p:spTree>
-      <p:nvGrpSpPr>
-        <p:cNvPr id="1" name=""/>
-        <p:cNvGrpSpPr/>
-        <p:nvPr/>
-      </p:nvGrpSpPr>
-      <p:grpSpPr>
-        <a:xfrm>
-          <a:off x="0" y="0"/>
-          <a:ext cx="0" cy="0"/>
-          <a:chOff x="0" y="0"/>
-          <a:chExt cx="0" cy="0"/>
-        </a:xfrm>
-      </p:grpSpPr>
-      <p:sp>
-        <p:nvSpPr>
-          <p:cNvPr id="2" name="幻灯片图像占位符 1"/>
-          <p:cNvSpPr>
-            <a:spLocks noGrp="1" noRot="1" noChangeAspect="1"/>
-          </p:cNvSpPr>
-          <p:nvPr>
-            <p:ph type="sldImg"/>
-          </p:nvPr>
-        </p:nvSpPr>
-        <p:spPr/>
-      </p:sp>
-      <p:sp>
-        <p:nvSpPr>
-          <p:cNvPr id="3" name="备注占位符 2"/>
-          <p:cNvSpPr>
-            <a:spLocks noGrp="1"/>
-          </p:cNvSpPr>
-          <p:nvPr>
-            <p:ph type="body" idx="1"/>
-          </p:nvPr>
-        </p:nvSpPr>
-        <p:spPr/>
-        <p:txBody>
-          <a:bodyPr/>
-          <a:lstStyle/>
-          <a:p>
-            <a:endParaRPr lang="en-US" altLang="zh-CN" dirty="0" smtClean="0"/>
-          </a:p>
-          <a:p>
             <a:r>
               <a:rPr lang="en-US" altLang="zh-CN" dirty="0" smtClean="0"/>
               <a:t>What</a:t>
@@ -1945,7 +1771,7 @@
           <a:p>
             <a:fld id="{B86CACD9-0F23-454D-AF32-DEFC965CED1F}" type="slidenum">
               <a:rPr lang="zh-CN" altLang="en-US" smtClean="0"/>
-              <a:t>15</a:t>
+              <a:t>12</a:t>
             </a:fld>
             <a:endParaRPr lang="zh-CN" altLang="en-US"/>
           </a:p>
@@ -4221,7 +4047,7 @@
           <a:p>
             <a:fld id="{1D8BD707-D9CF-40AE-B4C6-C98DA3205C09}" type="datetimeFigureOut">
               <a:rPr lang="en-US"/>
-              <a:t>7/30/2019</a:t>
+              <a:t>7/31/2019</a:t>
             </a:fld>
             <a:endParaRPr lang="en-US"/>
           </a:p>
@@ -4398,7 +4224,7 @@
           <a:p>
             <a:fld id="{1D8BD707-D9CF-40AE-B4C6-C98DA3205C09}" type="datetimeFigureOut">
               <a:rPr lang="en-US"/>
-              <a:t>7/30/2019</a:t>
+              <a:t>7/31/2019</a:t>
             </a:fld>
             <a:endParaRPr lang="en-US"/>
           </a:p>
@@ -4774,7 +4600,7 @@
           <a:p>
             <a:fld id="{1D8BD707-D9CF-40AE-B4C6-C98DA3205C09}" type="datetimeFigureOut">
               <a:rPr lang="en-US"/>
-              <a:t>7/30/2019</a:t>
+              <a:t>7/31/2019</a:t>
             </a:fld>
             <a:endParaRPr lang="en-US"/>
           </a:p>
@@ -4922,7 +4748,7 @@
           <a:p>
             <a:fld id="{1D8BD707-D9CF-40AE-B4C6-C98DA3205C09}" type="datetimeFigureOut">
               <a:rPr lang="en-US"/>
-              <a:t>7/30/2019</a:t>
+              <a:t>7/31/2019</a:t>
             </a:fld>
             <a:endParaRPr lang="en-US"/>
           </a:p>
@@ -5099,7 +4925,7 @@
           <a:p>
             <a:fld id="{1D8BD707-D9CF-40AE-B4C6-C98DA3205C09}" type="datetimeFigureOut">
               <a:rPr lang="en-US"/>
-              <a:t>7/30/2019</a:t>
+              <a:t>7/31/2019</a:t>
             </a:fld>
             <a:endParaRPr lang="en-US"/>
           </a:p>
@@ -5374,7 +5200,7 @@
           <a:p>
             <a:fld id="{1D8BD707-D9CF-40AE-B4C6-C98DA3205C09}" type="datetimeFigureOut">
               <a:rPr lang="en-US"/>
-              <a:t>7/30/2019</a:t>
+              <a:t>7/31/2019</a:t>
             </a:fld>
             <a:endParaRPr lang="en-US"/>
           </a:p>
@@ -5948,456 +5774,6 @@
         </p:nvSpPr>
         <p:spPr>
           <a:xfrm>
-            <a:off x="431800" y="342901"/>
-            <a:ext cx="9906000" cy="3816429"/>
-          </a:xfrm>
-        </p:spPr>
-        <p:txBody>
-          <a:bodyPr/>
-          <a:lstStyle/>
-          <a:p>
-            <a:r>
-              <a:rPr lang="en-US" altLang="zh-CN" sz="3200" b="1" dirty="0" smtClean="0"/>
-              <a:t>PLDI 19-</a:t>
-            </a:r>
-            <a:r>
-              <a:rPr lang="en-US" altLang="zh-CN" sz="3200" b="1" dirty="0"/>
-              <a:t>-Programming Support for </a:t>
-            </a:r>
-            <a:r>
-              <a:rPr lang="en-US" altLang="zh-CN" sz="3200" b="1" dirty="0" err="1"/>
-              <a:t>Autonomizing</a:t>
-            </a:r>
-            <a:r>
-              <a:rPr lang="en-US" altLang="zh-CN" sz="3200" b="1" dirty="0"/>
-              <a:t> Software</a:t>
-            </a:r>
-            <a:r>
-              <a:rPr lang="en-US" altLang="zh-CN" sz="3200" b="1" dirty="0" smtClean="0"/>
-              <a:t/>
-            </a:r>
-            <a:br>
-              <a:rPr lang="en-US" altLang="zh-CN" sz="3200" b="1" dirty="0" smtClean="0"/>
-            </a:br>
-            <a:r>
-              <a:rPr lang="en-US" altLang="zh-CN" sz="3200" b="1" dirty="0"/>
-              <a:t/>
-            </a:r>
-            <a:br>
-              <a:rPr lang="en-US" altLang="zh-CN" sz="3200" b="1" dirty="0"/>
-            </a:br>
-            <a:r>
-              <a:rPr lang="en-US" altLang="zh-CN" sz="3200" b="1" dirty="0" smtClean="0"/>
-              <a:t>FSE-ESEC </a:t>
-            </a:r>
-            <a:r>
-              <a:rPr lang="en-US" altLang="zh-CN" sz="3200" b="1" dirty="0"/>
-              <a:t>17--Guided, Stochastic Model-Based GUI Testing of Android Apps</a:t>
-            </a:r>
-            <a:r>
-              <a:rPr lang="zh-CN" altLang="zh-CN" sz="3200" b="1" dirty="0"/>
-              <a:t/>
-            </a:r>
-            <a:br>
-              <a:rPr lang="zh-CN" altLang="zh-CN" sz="3200" b="1" dirty="0"/>
-            </a:br>
-            <a:r>
-              <a:rPr lang="zh-CN" altLang="zh-CN" b="1" dirty="0"/>
-              <a:t/>
-            </a:r>
-            <a:br>
-              <a:rPr lang="zh-CN" altLang="zh-CN" b="1" dirty="0"/>
-            </a:br>
-            <a:endParaRPr lang="zh-CN" altLang="zh-CN" b="1" dirty="0"/>
-          </a:p>
-        </p:txBody>
-      </p:sp>
-    </p:spTree>
-    <p:extLst>
-      <p:ext uri="{BB962C8B-B14F-4D97-AF65-F5344CB8AC3E}">
-        <p14:creationId xmlns:p14="http://schemas.microsoft.com/office/powerpoint/2010/main" val="1010226758"/>
-      </p:ext>
-    </p:extLst>
-  </p:cSld>
-  <p:clrMapOvr>
-    <a:masterClrMapping/>
-  </p:clrMapOvr>
-  <p:timing>
-    <p:tnLst>
-      <p:par>
-        <p:cTn id="1" dur="indefinite" restart="never" nodeType="tmRoot"/>
-      </p:par>
-    </p:tnLst>
-  </p:timing>
-</p:sld>
-</file>
-
-<file path=ppt/slides/slide13.xml><?xml version="1.0" encoding="utf-8"?>
-<p:sld xmlns:a="http://schemas.openxmlformats.org/drawingml/2006/main" xmlns:r="http://schemas.openxmlformats.org/officeDocument/2006/relationships" xmlns:p="http://schemas.openxmlformats.org/presentationml/2006/main">
-  <p:cSld>
-    <p:spTree>
-      <p:nvGrpSpPr>
-        <p:cNvPr id="1" name=""/>
-        <p:cNvGrpSpPr/>
-        <p:nvPr/>
-      </p:nvGrpSpPr>
-      <p:grpSpPr>
-        <a:xfrm>
-          <a:off x="0" y="0"/>
-          <a:ext cx="0" cy="0"/>
-          <a:chOff x="0" y="0"/>
-          <a:chExt cx="0" cy="0"/>
-        </a:xfrm>
-      </p:grpSpPr>
-      <p:sp>
-        <p:nvSpPr>
-          <p:cNvPr id="2" name="标题 1"/>
-          <p:cNvSpPr>
-            <a:spLocks noGrp="1"/>
-          </p:cNvSpPr>
-          <p:nvPr>
-            <p:ph type="title"/>
-          </p:nvPr>
-        </p:nvSpPr>
-        <p:spPr>
-          <a:xfrm>
-            <a:off x="355600" y="571500"/>
-            <a:ext cx="9982199" cy="3016210"/>
-          </a:xfrm>
-        </p:spPr>
-        <p:txBody>
-          <a:bodyPr/>
-          <a:lstStyle/>
-          <a:p>
-            <a:r>
-              <a:rPr lang="en-US" altLang="zh-CN" sz="2800" dirty="0" smtClean="0"/>
-              <a:t>  RQ1</a:t>
-            </a:r>
-            <a:r>
-              <a:rPr lang="en-US" altLang="zh-CN" sz="2800" dirty="0"/>
-              <a:t>: Is there any repetitiveness in logging descriptions</a:t>
-            </a:r>
-            <a:r>
-              <a:rPr lang="en-US" altLang="zh-CN" sz="2800" dirty="0" smtClean="0"/>
-              <a:t>?</a:t>
-            </a:r>
-            <a:r>
-              <a:rPr lang="en-US" altLang="zh-CN" sz="2800" dirty="0"/>
-              <a:t/>
-            </a:r>
-            <a:br>
-              <a:rPr lang="en-US" altLang="zh-CN" sz="2800" dirty="0"/>
-            </a:br>
-            <a:r>
-              <a:rPr lang="en-US" altLang="zh-CN" sz="2800" dirty="0"/>
-              <a:t>• RQ2: Can the repetitiveness be captured by cross-project</a:t>
-            </a:r>
-            <a:br>
-              <a:rPr lang="en-US" altLang="zh-CN" sz="2800" dirty="0"/>
-            </a:br>
-            <a:r>
-              <a:rPr lang="en-US" altLang="zh-CN" sz="2800" dirty="0"/>
-              <a:t>n-gram models?</a:t>
-            </a:r>
-            <a:br>
-              <a:rPr lang="en-US" altLang="zh-CN" sz="2800" dirty="0"/>
-            </a:br>
-            <a:r>
-              <a:rPr lang="en-US" altLang="zh-CN" sz="2800" dirty="0"/>
-              <a:t>• RQ3: Are there any n-grams in logging </a:t>
-            </a:r>
-            <a:r>
-              <a:rPr lang="en-US" altLang="zh-CN" sz="2800" dirty="0" smtClean="0"/>
-              <a:t>descriptions appearing</a:t>
-            </a:r>
-            <a:r>
-              <a:rPr lang="en-US" altLang="zh-CN" sz="2800" dirty="0"/>
-              <a:t> </a:t>
-            </a:r>
-            <a:r>
-              <a:rPr lang="en-US" altLang="zh-CN" sz="2800" dirty="0" smtClean="0"/>
-              <a:t>in </a:t>
-            </a:r>
-            <a:r>
-              <a:rPr lang="en-US" altLang="zh-CN" sz="2800" dirty="0"/>
-              <a:t>only one source file?</a:t>
-            </a:r>
-            <a:br>
-              <a:rPr lang="en-US" altLang="zh-CN" sz="2800" dirty="0"/>
-            </a:br>
-            <a:r>
-              <a:rPr lang="en-US" altLang="zh-CN" sz="2800" dirty="0"/>
-              <a:t>• RQ4: Are n-grams in logging descriptions locally specific to</a:t>
-            </a:r>
-            <a:br>
-              <a:rPr lang="en-US" altLang="zh-CN" sz="2800" dirty="0"/>
-            </a:br>
-            <a:r>
-              <a:rPr lang="en-US" altLang="zh-CN" sz="2800" dirty="0"/>
-              <a:t>a few source files?</a:t>
-            </a:r>
-            <a:endParaRPr lang="zh-CN" altLang="en-US" sz="2800" dirty="0"/>
-          </a:p>
-        </p:txBody>
-      </p:sp>
-    </p:spTree>
-    <p:extLst>
-      <p:ext uri="{BB962C8B-B14F-4D97-AF65-F5344CB8AC3E}">
-        <p14:creationId xmlns:p14="http://schemas.microsoft.com/office/powerpoint/2010/main" val="881939044"/>
-      </p:ext>
-    </p:extLst>
-  </p:cSld>
-  <p:clrMapOvr>
-    <a:masterClrMapping/>
-  </p:clrMapOvr>
-</p:sld>
-</file>
-
-<file path=ppt/slides/slide14.xml><?xml version="1.0" encoding="utf-8"?>
-<p:sld xmlns:a="http://schemas.openxmlformats.org/drawingml/2006/main" xmlns:r="http://schemas.openxmlformats.org/officeDocument/2006/relationships" xmlns:p="http://schemas.openxmlformats.org/presentationml/2006/main">
-  <p:cSld>
-    <p:spTree>
-      <p:nvGrpSpPr>
-        <p:cNvPr id="1" name=""/>
-        <p:cNvGrpSpPr/>
-        <p:nvPr/>
-      </p:nvGrpSpPr>
-      <p:grpSpPr>
-        <a:xfrm>
-          <a:off x="0" y="0"/>
-          <a:ext cx="0" cy="0"/>
-          <a:chOff x="0" y="0"/>
-          <a:chExt cx="0" cy="0"/>
-        </a:xfrm>
-      </p:grpSpPr>
-      <p:sp>
-        <p:nvSpPr>
-          <p:cNvPr id="2" name="标题 1"/>
-          <p:cNvSpPr>
-            <a:spLocks noGrp="1"/>
-          </p:cNvSpPr>
-          <p:nvPr>
-            <p:ph type="title"/>
-          </p:nvPr>
-        </p:nvSpPr>
-        <p:spPr>
-          <a:xfrm>
-            <a:off x="660400" y="266700"/>
-            <a:ext cx="9372599" cy="4308872"/>
-          </a:xfrm>
-        </p:spPr>
-        <p:txBody>
-          <a:bodyPr/>
-          <a:lstStyle/>
-          <a:p>
-            <a:r>
-              <a:rPr lang="en-US" altLang="zh-CN" sz="2000" dirty="0"/>
-              <a:t>• This paper conducts the first empirical study on the </a:t>
-            </a:r>
-            <a:r>
-              <a:rPr lang="en-US" altLang="zh-CN" sz="2000" dirty="0" smtClean="0"/>
-              <a:t>usage of </a:t>
-            </a:r>
-            <a:r>
-              <a:rPr lang="en-US" altLang="zh-CN" sz="2000" dirty="0"/>
-              <a:t>natural language in logging practice by an evaluation </a:t>
-            </a:r>
-            <a:r>
-              <a:rPr lang="en-US" altLang="zh-CN" sz="2000" dirty="0" smtClean="0"/>
-              <a:t>of 10 </a:t>
-            </a:r>
-            <a:r>
-              <a:rPr lang="en-US" altLang="zh-CN" sz="2000" dirty="0"/>
-              <a:t>Java projects and 7 C# projects</a:t>
-            </a:r>
-            <a:r>
-              <a:rPr lang="en-US" altLang="zh-CN" sz="2000" dirty="0" smtClean="0"/>
-              <a:t>.</a:t>
-            </a:r>
-            <a:br>
-              <a:rPr lang="en-US" altLang="zh-CN" sz="2000" dirty="0" smtClean="0"/>
-            </a:br>
-            <a:r>
-              <a:rPr lang="en-US" altLang="zh-CN" sz="2000" dirty="0"/>
-              <a:t/>
-            </a:r>
-            <a:br>
-              <a:rPr lang="en-US" altLang="zh-CN" sz="2000" dirty="0"/>
-            </a:br>
-            <a:r>
-              <a:rPr lang="en-US" altLang="zh-CN" sz="2000" dirty="0"/>
-              <a:t>• It summarizes three categories of logging descriptions </a:t>
-            </a:r>
-            <a:r>
-              <a:rPr lang="en-US" altLang="zh-CN" sz="2000" dirty="0" smtClean="0"/>
-              <a:t>in logging </a:t>
-            </a:r>
-            <a:r>
-              <a:rPr lang="en-US" altLang="zh-CN" sz="2000" dirty="0"/>
-              <a:t>statements, including </a:t>
-            </a:r>
-            <a:r>
-              <a:rPr lang="en-US" altLang="zh-CN" sz="2000" b="1" i="1" dirty="0"/>
-              <a:t>description for program </a:t>
-            </a:r>
-            <a:r>
-              <a:rPr lang="en-US" altLang="zh-CN" sz="2000" b="1" i="1" dirty="0" smtClean="0"/>
-              <a:t>operation</a:t>
-            </a:r>
-            <a:r>
-              <a:rPr lang="en-US" altLang="zh-CN" sz="2000" dirty="0" smtClean="0"/>
-              <a:t>, </a:t>
-            </a:r>
-            <a:r>
-              <a:rPr lang="en-US" altLang="zh-CN" sz="2000" b="1" i="1" dirty="0" smtClean="0"/>
-              <a:t>description </a:t>
-            </a:r>
-            <a:r>
-              <a:rPr lang="en-US" altLang="zh-CN" sz="2000" b="1" i="1" dirty="0"/>
-              <a:t>for error condition</a:t>
-            </a:r>
-            <a:r>
-              <a:rPr lang="en-US" altLang="zh-CN" sz="2000" dirty="0"/>
-              <a:t>, and </a:t>
-            </a:r>
-            <a:r>
-              <a:rPr lang="en-US" altLang="zh-CN" sz="2000" b="1" i="1" dirty="0"/>
-              <a:t>description </a:t>
-            </a:r>
-            <a:r>
-              <a:rPr lang="en-US" altLang="zh-CN" sz="2000" b="1" i="1" dirty="0" smtClean="0"/>
-              <a:t>for high-level </a:t>
-            </a:r>
-            <a:r>
-              <a:rPr lang="en-US" altLang="zh-CN" sz="2000" b="1" i="1" dirty="0"/>
-              <a:t>code semantics</a:t>
-            </a:r>
-            <a:r>
-              <a:rPr lang="en-US" altLang="zh-CN" sz="2000" dirty="0"/>
-              <a:t>, covering all the scenarios </a:t>
-            </a:r>
-            <a:r>
-              <a:rPr lang="en-US" altLang="zh-CN" sz="2000" dirty="0" smtClean="0"/>
-              <a:t>observed in </a:t>
-            </a:r>
-            <a:r>
-              <a:rPr lang="en-US" altLang="zh-CN" sz="2000" dirty="0"/>
-              <a:t>our study</a:t>
-            </a:r>
-            <a:r>
-              <a:rPr lang="en-US" altLang="zh-CN" sz="2000" dirty="0" smtClean="0"/>
-              <a:t>.</a:t>
-            </a:r>
-            <a:br>
-              <a:rPr lang="en-US" altLang="zh-CN" sz="2000" dirty="0" smtClean="0"/>
-            </a:br>
-            <a:r>
-              <a:rPr lang="en-US" altLang="zh-CN" sz="2000" dirty="0"/>
-              <a:t/>
-            </a:r>
-            <a:br>
-              <a:rPr lang="en-US" altLang="zh-CN" sz="2000" dirty="0"/>
-            </a:br>
-            <a:r>
-              <a:rPr lang="en-US" altLang="zh-CN" sz="2000" dirty="0"/>
-              <a:t>• We demonstrate the repetitiveness in logging </a:t>
-            </a:r>
-            <a:r>
-              <a:rPr lang="en-US" altLang="zh-CN" sz="2000" dirty="0" smtClean="0"/>
-              <a:t>descriptions globally </a:t>
-            </a:r>
-            <a:r>
-              <a:rPr lang="en-US" altLang="zh-CN" sz="2000" dirty="0"/>
-              <a:t>(i.e., in a project) and locally (i.e., in a source file</a:t>
-            </a:r>
-            <a:r>
-              <a:rPr lang="en-US" altLang="zh-CN" sz="2000" dirty="0" smtClean="0"/>
-              <a:t>), and </a:t>
-            </a:r>
-            <a:r>
-              <a:rPr lang="en-US" altLang="zh-CN" sz="2000" dirty="0"/>
-              <a:t>further present the potential feasibility of </a:t>
-            </a:r>
-            <a:r>
-              <a:rPr lang="en-US" altLang="zh-CN" sz="2000" dirty="0" smtClean="0"/>
-              <a:t>automated logging </a:t>
-            </a:r>
-            <a:r>
-              <a:rPr lang="en-US" altLang="zh-CN" sz="2000" dirty="0"/>
-              <a:t>description generation</a:t>
-            </a:r>
-            <a:r>
-              <a:rPr lang="en-US" altLang="zh-CN" sz="2000" dirty="0" smtClean="0"/>
-              <a:t>.</a:t>
-            </a:r>
-            <a:br>
-              <a:rPr lang="en-US" altLang="zh-CN" sz="2000" dirty="0" smtClean="0"/>
-            </a:br>
-            <a:r>
-              <a:rPr lang="en-US" altLang="zh-CN" sz="2000" dirty="0"/>
-              <a:t/>
-            </a:r>
-            <a:br>
-              <a:rPr lang="en-US" altLang="zh-CN" sz="2000" dirty="0"/>
-            </a:br>
-            <a:r>
-              <a:rPr lang="en-US" altLang="zh-CN" sz="2000" dirty="0"/>
-              <a:t>• The datasets studied have been publicly released [3], </a:t>
-            </a:r>
-            <a:r>
-              <a:rPr lang="en-US" altLang="zh-CN" sz="2000" dirty="0" smtClean="0"/>
-              <a:t>allowing easy </a:t>
-            </a:r>
-            <a:r>
-              <a:rPr lang="en-US" altLang="zh-CN" sz="2000" dirty="0"/>
-              <a:t>use by practitioners and researchers for future study.</a:t>
-            </a:r>
-            <a:endParaRPr lang="zh-CN" altLang="en-US" sz="2000" dirty="0"/>
-          </a:p>
-        </p:txBody>
-      </p:sp>
-    </p:spTree>
-    <p:extLst>
-      <p:ext uri="{BB962C8B-B14F-4D97-AF65-F5344CB8AC3E}">
-        <p14:creationId xmlns:p14="http://schemas.microsoft.com/office/powerpoint/2010/main" val="964536630"/>
-      </p:ext>
-    </p:extLst>
-  </p:cSld>
-  <p:clrMapOvr>
-    <a:masterClrMapping/>
-  </p:clrMapOvr>
-</p:sld>
-</file>
-
-<file path=ppt/slides/slide15.xml><?xml version="1.0" encoding="utf-8"?>
-<p:sld xmlns:a="http://schemas.openxmlformats.org/drawingml/2006/main" xmlns:r="http://schemas.openxmlformats.org/officeDocument/2006/relationships" xmlns:p="http://schemas.openxmlformats.org/presentationml/2006/main">
-  <p:cSld>
-    <p:spTree>
-      <p:nvGrpSpPr>
-        <p:cNvPr id="1" name=""/>
-        <p:cNvGrpSpPr/>
-        <p:nvPr/>
-      </p:nvGrpSpPr>
-      <p:grpSpPr>
-        <a:xfrm>
-          <a:off x="0" y="0"/>
-          <a:ext cx="0" cy="0"/>
-          <a:chOff x="0" y="0"/>
-          <a:chExt cx="0" cy="0"/>
-        </a:xfrm>
-      </p:grpSpPr>
-      <p:sp>
-        <p:nvSpPr>
-          <p:cNvPr id="2" name="标题 1"/>
-          <p:cNvSpPr>
-            <a:spLocks noGrp="1"/>
-          </p:cNvSpPr>
-          <p:nvPr>
-            <p:ph type="title"/>
-          </p:nvPr>
-        </p:nvSpPr>
-        <p:spPr>
-          <a:xfrm>
             <a:off x="431800" y="342900"/>
             <a:ext cx="9525000" cy="1846659"/>
           </a:xfrm>
@@ -6437,7 +5813,7 @@
 </p:sld>
 </file>
 
-<file path=ppt/slides/slide16.xml><?xml version="1.0" encoding="utf-8"?>
+<file path=ppt/slides/slide13.xml><?xml version="1.0" encoding="utf-8"?>
 <p:sld xmlns:a="http://schemas.openxmlformats.org/drawingml/2006/main" xmlns:r="http://schemas.openxmlformats.org/officeDocument/2006/relationships" xmlns:p="http://schemas.openxmlformats.org/presentationml/2006/main">
   <p:cSld>
     <p:spTree>
